--- a/week-2/Morning routine flowchart.pptx
+++ b/week-2/Morning routine flowchart.pptx
@@ -105,6 +105,11 @@
       </a:defRPr>
     </a:lvl9pPr>
   </p:defaultTextStyle>
+  <p:extLst>
+    <p:ext uri="{EFAFB233-063F-42B5-8137-9DF3F51BA10A}">
+      <p15:sldGuideLst xmlns:p15="http://schemas.microsoft.com/office/powerpoint/2012/main"/>
+    </p:ext>
+  </p:extLst>
 </p:presentation>
 </file>
 
@@ -3583,7 +3588,7 @@
         </p:nvSpPr>
         <p:spPr>
           <a:xfrm>
-            <a:off x="2867739" y="996043"/>
+            <a:off x="2549608" y="996043"/>
             <a:ext cx="1714500" cy="555172"/>
           </a:xfrm>
           <a:prstGeom prst="flowChartProcess">
@@ -3632,7 +3637,7 @@
         </p:nvSpPr>
         <p:spPr>
           <a:xfrm>
-            <a:off x="6020687" y="996043"/>
+            <a:off x="4901325" y="996043"/>
             <a:ext cx="1714500" cy="555172"/>
           </a:xfrm>
           <a:prstGeom prst="flowChartProcess">
@@ -3681,7 +3686,7 @@
         </p:nvSpPr>
         <p:spPr>
           <a:xfrm>
-            <a:off x="8911390" y="996043"/>
+            <a:off x="7337113" y="996043"/>
             <a:ext cx="1714500" cy="555172"/>
           </a:xfrm>
           <a:prstGeom prst="flowChartProcess">
@@ -3730,7 +3735,7 @@
         </p:nvSpPr>
         <p:spPr>
           <a:xfrm>
-            <a:off x="8911390" y="3594863"/>
+            <a:off x="9568300" y="3206126"/>
             <a:ext cx="1714500" cy="555172"/>
           </a:xfrm>
           <a:prstGeom prst="flowChartProcess">
@@ -3765,56 +3770,7 @@
             <a:pPr algn="ctr"/>
             <a:r>
               <a:rPr lang="en-GB" dirty="0" smtClean="0"/>
-              <a:t>Get dressed</a:t>
-            </a:r>
-            <a:endParaRPr lang="en-GB" dirty="0"/>
-          </a:p>
-        </p:txBody>
-      </p:sp>
-      <p:sp>
-        <p:nvSpPr>
-          <p:cNvPr id="9" name="Flowchart: Process 8"/>
-          <p:cNvSpPr/>
-          <p:nvPr/>
-        </p:nvSpPr>
-        <p:spPr>
-          <a:xfrm>
-            <a:off x="5011225" y="3594863"/>
-            <a:ext cx="1714500" cy="555172"/>
-          </a:xfrm>
-          <a:prstGeom prst="flowChartProcess">
-            <a:avLst/>
-          </a:prstGeom>
-          <a:solidFill>
-            <a:schemeClr val="accent2">
-              <a:lumMod val="75000"/>
-            </a:schemeClr>
-          </a:solidFill>
-        </p:spPr>
-        <p:style>
-          <a:lnRef idx="2">
-            <a:schemeClr val="accent1">
-              <a:shade val="50000"/>
-            </a:schemeClr>
-          </a:lnRef>
-          <a:fillRef idx="1">
-            <a:schemeClr val="accent1"/>
-          </a:fillRef>
-          <a:effectRef idx="0">
-            <a:schemeClr val="accent1"/>
-          </a:effectRef>
-          <a:fontRef idx="minor">
-            <a:schemeClr val="lt1"/>
-          </a:fontRef>
-        </p:style>
-        <p:txBody>
-          <a:bodyPr rtlCol="0" anchor="ctr"/>
-          <a:lstStyle/>
-          <a:p>
-            <a:pPr algn="ctr"/>
-            <a:r>
-              <a:rPr lang="en-GB" dirty="0" smtClean="0"/>
-              <a:t>Leave for class</a:t>
+              <a:t>Wear clothes</a:t>
             </a:r>
             <a:endParaRPr lang="en-GB" dirty="0"/>
           </a:p>
@@ -3832,7 +3788,7 @@
         <p:spPr>
           <a:xfrm>
             <a:off x="1896189" y="1273629"/>
-            <a:ext cx="971550" cy="0"/>
+            <a:ext cx="653419" cy="0"/>
           </a:xfrm>
           <a:prstGeom prst="straightConnector1">
             <a:avLst/>
@@ -3867,8 +3823,8 @@
         </p:nvCxnSpPr>
         <p:spPr>
           <a:xfrm>
-            <a:off x="4582239" y="1273629"/>
-            <a:ext cx="1438448" cy="0"/>
+            <a:off x="4264108" y="1273629"/>
+            <a:ext cx="637217" cy="0"/>
           </a:xfrm>
           <a:prstGeom prst="straightConnector1">
             <a:avLst/>
@@ -3903,8 +3859,8 @@
         </p:nvCxnSpPr>
         <p:spPr>
           <a:xfrm>
-            <a:off x="7735187" y="1273629"/>
-            <a:ext cx="1176203" cy="0"/>
+            <a:off x="6615825" y="1273629"/>
+            <a:ext cx="721288" cy="0"/>
           </a:xfrm>
           <a:prstGeom prst="straightConnector1">
             <a:avLst/>
@@ -3932,15 +3888,15 @@
         <p:nvCxnSpPr>
           <p:cNvPr id="21" name="Straight Arrow Connector 20"/>
           <p:cNvCxnSpPr>
-            <a:stCxn id="7" idx="2"/>
-            <a:endCxn id="8" idx="0"/>
+            <a:stCxn id="7" idx="3"/>
+            <a:endCxn id="51" idx="1"/>
           </p:cNvCxnSpPr>
           <p:nvPr/>
         </p:nvCxnSpPr>
         <p:spPr>
           <a:xfrm>
-            <a:off x="9768640" y="1551215"/>
-            <a:ext cx="0" cy="2043648"/>
+            <a:off x="9051613" y="1273629"/>
+            <a:ext cx="516687" cy="0"/>
           </a:xfrm>
           <a:prstGeom prst="straightConnector1">
             <a:avLst/>
@@ -3968,15 +3924,15 @@
         <p:nvCxnSpPr>
           <p:cNvPr id="25" name="Straight Arrow Connector 24"/>
           <p:cNvCxnSpPr>
-            <a:stCxn id="8" idx="1"/>
-            <a:endCxn id="9" idx="3"/>
+            <a:stCxn id="51" idx="2"/>
+            <a:endCxn id="8" idx="0"/>
           </p:cNvCxnSpPr>
           <p:nvPr/>
         </p:nvCxnSpPr>
         <p:spPr>
-          <a:xfrm flipH="1">
-            <a:off x="6725725" y="3872449"/>
-            <a:ext cx="2185665" cy="0"/>
+          <a:xfrm>
+            <a:off x="10425550" y="1551215"/>
+            <a:ext cx="0" cy="1654911"/>
           </a:xfrm>
           <a:prstGeom prst="straightConnector1">
             <a:avLst/>
@@ -4008,7 +3964,7 @@
         </p:nvSpPr>
         <p:spPr>
           <a:xfrm>
-            <a:off x="2343696" y="3594863"/>
+            <a:off x="524589" y="5010851"/>
             <a:ext cx="1485900" cy="555172"/>
           </a:xfrm>
           <a:prstGeom prst="flowChartTerminator">
@@ -4044,7 +4000,256 @@
             <a:pPr algn="ctr"/>
             <a:r>
               <a:rPr lang="en-GB" dirty="0" smtClean="0"/>
-              <a:t>Stop</a:t>
+              <a:t>Stop: leave for class</a:t>
+            </a:r>
+            <a:endParaRPr lang="en-GB" dirty="0"/>
+          </a:p>
+        </p:txBody>
+      </p:sp>
+      <p:sp>
+        <p:nvSpPr>
+          <p:cNvPr id="20" name="Flowchart: Process 19"/>
+          <p:cNvSpPr/>
+          <p:nvPr/>
+        </p:nvSpPr>
+        <p:spPr>
+          <a:xfrm>
+            <a:off x="4989294" y="3210333"/>
+            <a:ext cx="1714500" cy="555172"/>
+          </a:xfrm>
+          <a:prstGeom prst="flowChartProcess">
+            <a:avLst/>
+          </a:prstGeom>
+          <a:solidFill>
+            <a:schemeClr val="accent2">
+              <a:lumMod val="75000"/>
+            </a:schemeClr>
+          </a:solidFill>
+        </p:spPr>
+        <p:style>
+          <a:lnRef idx="2">
+            <a:schemeClr val="accent1">
+              <a:shade val="50000"/>
+            </a:schemeClr>
+          </a:lnRef>
+          <a:fillRef idx="1">
+            <a:schemeClr val="accent1"/>
+          </a:fillRef>
+          <a:effectRef idx="0">
+            <a:schemeClr val="accent1"/>
+          </a:effectRef>
+          <a:fontRef idx="minor">
+            <a:schemeClr val="lt1"/>
+          </a:fontRef>
+        </p:style>
+        <p:txBody>
+          <a:bodyPr rtlCol="0" anchor="ctr"/>
+          <a:lstStyle/>
+          <a:p>
+            <a:pPr algn="ctr"/>
+            <a:r>
+              <a:rPr lang="en-GB" dirty="0" smtClean="0"/>
+              <a:t>Use</a:t>
+            </a:r>
+            <a:r>
+              <a:rPr lang="en-GB" dirty="0" smtClean="0"/>
+              <a:t> perfume</a:t>
+            </a:r>
+            <a:endParaRPr lang="en-GB" dirty="0"/>
+          </a:p>
+        </p:txBody>
+      </p:sp>
+      <p:sp>
+        <p:nvSpPr>
+          <p:cNvPr id="22" name="Flowchart: Process 21"/>
+          <p:cNvSpPr/>
+          <p:nvPr/>
+        </p:nvSpPr>
+        <p:spPr>
+          <a:xfrm>
+            <a:off x="2641476" y="3210333"/>
+            <a:ext cx="1714500" cy="555172"/>
+          </a:xfrm>
+          <a:prstGeom prst="flowChartProcess">
+            <a:avLst/>
+          </a:prstGeom>
+          <a:solidFill>
+            <a:schemeClr val="accent2">
+              <a:lumMod val="75000"/>
+            </a:schemeClr>
+          </a:solidFill>
+        </p:spPr>
+        <p:style>
+          <a:lnRef idx="2">
+            <a:schemeClr val="accent1">
+              <a:shade val="50000"/>
+            </a:schemeClr>
+          </a:lnRef>
+          <a:fillRef idx="1">
+            <a:schemeClr val="accent1"/>
+          </a:fillRef>
+          <a:effectRef idx="0">
+            <a:schemeClr val="accent1"/>
+          </a:effectRef>
+          <a:fontRef idx="minor">
+            <a:schemeClr val="lt1"/>
+          </a:fontRef>
+        </p:style>
+        <p:txBody>
+          <a:bodyPr rtlCol="0" anchor="ctr"/>
+          <a:lstStyle/>
+          <a:p>
+            <a:pPr algn="ctr"/>
+            <a:r>
+              <a:rPr lang="en-GB" dirty="0" smtClean="0"/>
+              <a:t>Wear jewellery</a:t>
+            </a:r>
+            <a:endParaRPr lang="en-GB" dirty="0"/>
+          </a:p>
+        </p:txBody>
+      </p:sp>
+      <p:sp>
+        <p:nvSpPr>
+          <p:cNvPr id="23" name="Flowchart: Process 22"/>
+          <p:cNvSpPr/>
+          <p:nvPr/>
+        </p:nvSpPr>
+        <p:spPr>
+          <a:xfrm>
+            <a:off x="410289" y="3210333"/>
+            <a:ext cx="1714500" cy="555172"/>
+          </a:xfrm>
+          <a:prstGeom prst="flowChartProcess">
+            <a:avLst/>
+          </a:prstGeom>
+          <a:solidFill>
+            <a:schemeClr val="accent2">
+              <a:lumMod val="75000"/>
+            </a:schemeClr>
+          </a:solidFill>
+        </p:spPr>
+        <p:style>
+          <a:lnRef idx="2">
+            <a:schemeClr val="accent1">
+              <a:shade val="50000"/>
+            </a:schemeClr>
+          </a:lnRef>
+          <a:fillRef idx="1">
+            <a:schemeClr val="accent1"/>
+          </a:fillRef>
+          <a:effectRef idx="0">
+            <a:schemeClr val="accent1"/>
+          </a:effectRef>
+          <a:fontRef idx="minor">
+            <a:schemeClr val="lt1"/>
+          </a:fontRef>
+        </p:style>
+        <p:txBody>
+          <a:bodyPr rtlCol="0" anchor="ctr"/>
+          <a:lstStyle/>
+          <a:p>
+            <a:pPr algn="ctr"/>
+            <a:r>
+              <a:rPr lang="en-GB" dirty="0" smtClean="0"/>
+              <a:t>Wear shoes</a:t>
+            </a:r>
+            <a:endParaRPr lang="en-GB" dirty="0"/>
+          </a:p>
+        </p:txBody>
+      </p:sp>
+      <p:sp>
+        <p:nvSpPr>
+          <p:cNvPr id="51" name="Flowchart: Process 50"/>
+          <p:cNvSpPr/>
+          <p:nvPr/>
+        </p:nvSpPr>
+        <p:spPr>
+          <a:xfrm>
+            <a:off x="9568300" y="996043"/>
+            <a:ext cx="1714500" cy="555172"/>
+          </a:xfrm>
+          <a:prstGeom prst="flowChartProcess">
+            <a:avLst/>
+          </a:prstGeom>
+          <a:solidFill>
+            <a:schemeClr val="accent2">
+              <a:lumMod val="75000"/>
+            </a:schemeClr>
+          </a:solidFill>
+        </p:spPr>
+        <p:style>
+          <a:lnRef idx="2">
+            <a:schemeClr val="accent1">
+              <a:shade val="50000"/>
+            </a:schemeClr>
+          </a:lnRef>
+          <a:fillRef idx="1">
+            <a:schemeClr val="accent1"/>
+          </a:fillRef>
+          <a:effectRef idx="0">
+            <a:schemeClr val="accent1"/>
+          </a:effectRef>
+          <a:fontRef idx="minor">
+            <a:schemeClr val="lt1"/>
+          </a:fontRef>
+        </p:style>
+        <p:txBody>
+          <a:bodyPr rtlCol="0" anchor="ctr"/>
+          <a:lstStyle/>
+          <a:p>
+            <a:pPr algn="ctr"/>
+            <a:r>
+              <a:rPr lang="en-GB" dirty="0" smtClean="0"/>
+              <a:t>Pack bag</a:t>
+            </a:r>
+            <a:endParaRPr lang="en-GB" dirty="0"/>
+          </a:p>
+        </p:txBody>
+      </p:sp>
+      <p:sp>
+        <p:nvSpPr>
+          <p:cNvPr id="54" name="Flowchart: Process 53"/>
+          <p:cNvSpPr/>
+          <p:nvPr/>
+        </p:nvSpPr>
+        <p:spPr>
+          <a:xfrm>
+            <a:off x="7337113" y="3206126"/>
+            <a:ext cx="1714500" cy="555172"/>
+          </a:xfrm>
+          <a:prstGeom prst="flowChartProcess">
+            <a:avLst/>
+          </a:prstGeom>
+          <a:solidFill>
+            <a:schemeClr val="accent2">
+              <a:lumMod val="75000"/>
+            </a:schemeClr>
+          </a:solidFill>
+        </p:spPr>
+        <p:style>
+          <a:lnRef idx="2">
+            <a:schemeClr val="accent1">
+              <a:shade val="50000"/>
+            </a:schemeClr>
+          </a:lnRef>
+          <a:fillRef idx="1">
+            <a:schemeClr val="accent1"/>
+          </a:fillRef>
+          <a:effectRef idx="0">
+            <a:schemeClr val="accent1"/>
+          </a:effectRef>
+          <a:fontRef idx="minor">
+            <a:schemeClr val="lt1"/>
+          </a:fontRef>
+        </p:style>
+        <p:txBody>
+          <a:bodyPr rtlCol="0" anchor="ctr"/>
+          <a:lstStyle/>
+          <a:p>
+            <a:pPr algn="ctr"/>
+            <a:r>
+              <a:rPr lang="en-GB" dirty="0" smtClean="0"/>
+              <a:t>Style hair</a:t>
             </a:r>
             <a:endParaRPr lang="en-GB" dirty="0"/>
           </a:p>
@@ -4052,17 +4257,161 @@
       </p:sp>
       <p:cxnSp>
         <p:nvCxnSpPr>
-          <p:cNvPr id="40" name="Straight Arrow Connector 39"/>
+          <p:cNvPr id="59" name="Straight Arrow Connector 58"/>
           <p:cNvCxnSpPr>
-            <a:stCxn id="9" idx="1"/>
-            <a:endCxn id="39" idx="3"/>
+            <a:stCxn id="8" idx="1"/>
+            <a:endCxn id="54" idx="3"/>
           </p:cNvCxnSpPr>
           <p:nvPr/>
         </p:nvCxnSpPr>
         <p:spPr>
           <a:xfrm flipH="1">
-            <a:off x="3829596" y="3872449"/>
-            <a:ext cx="1181629" cy="0"/>
+            <a:off x="9051613" y="3483712"/>
+            <a:ext cx="516687" cy="0"/>
+          </a:xfrm>
+          <a:prstGeom prst="straightConnector1">
+            <a:avLst/>
+          </a:prstGeom>
+          <a:ln>
+            <a:tailEnd type="triangle"/>
+          </a:ln>
+        </p:spPr>
+        <p:style>
+          <a:lnRef idx="1">
+            <a:schemeClr val="accent1"/>
+          </a:lnRef>
+          <a:fillRef idx="0">
+            <a:schemeClr val="accent1"/>
+          </a:fillRef>
+          <a:effectRef idx="0">
+            <a:schemeClr val="accent1"/>
+          </a:effectRef>
+          <a:fontRef idx="minor">
+            <a:schemeClr val="tx1"/>
+          </a:fontRef>
+        </p:style>
+      </p:cxnSp>
+      <p:cxnSp>
+        <p:nvCxnSpPr>
+          <p:cNvPr id="62" name="Straight Arrow Connector 61"/>
+          <p:cNvCxnSpPr>
+            <a:stCxn id="54" idx="1"/>
+            <a:endCxn id="20" idx="3"/>
+          </p:cNvCxnSpPr>
+          <p:nvPr/>
+        </p:nvCxnSpPr>
+        <p:spPr>
+          <a:xfrm flipH="1">
+            <a:off x="6703794" y="3483712"/>
+            <a:ext cx="633319" cy="4207"/>
+          </a:xfrm>
+          <a:prstGeom prst="straightConnector1">
+            <a:avLst/>
+          </a:prstGeom>
+          <a:ln>
+            <a:tailEnd type="triangle"/>
+          </a:ln>
+        </p:spPr>
+        <p:style>
+          <a:lnRef idx="1">
+            <a:schemeClr val="accent1"/>
+          </a:lnRef>
+          <a:fillRef idx="0">
+            <a:schemeClr val="accent1"/>
+          </a:fillRef>
+          <a:effectRef idx="0">
+            <a:schemeClr val="accent1"/>
+          </a:effectRef>
+          <a:fontRef idx="minor">
+            <a:schemeClr val="tx1"/>
+          </a:fontRef>
+        </p:style>
+      </p:cxnSp>
+      <p:cxnSp>
+        <p:nvCxnSpPr>
+          <p:cNvPr id="66" name="Straight Arrow Connector 65"/>
+          <p:cNvCxnSpPr>
+            <a:stCxn id="20" idx="1"/>
+            <a:endCxn id="22" idx="3"/>
+          </p:cNvCxnSpPr>
+          <p:nvPr/>
+        </p:nvCxnSpPr>
+        <p:spPr>
+          <a:xfrm flipH="1">
+            <a:off x="4355976" y="3487919"/>
+            <a:ext cx="633318" cy="0"/>
+          </a:xfrm>
+          <a:prstGeom prst="straightConnector1">
+            <a:avLst/>
+          </a:prstGeom>
+          <a:ln>
+            <a:tailEnd type="triangle"/>
+          </a:ln>
+        </p:spPr>
+        <p:style>
+          <a:lnRef idx="1">
+            <a:schemeClr val="accent1"/>
+          </a:lnRef>
+          <a:fillRef idx="0">
+            <a:schemeClr val="accent1"/>
+          </a:fillRef>
+          <a:effectRef idx="0">
+            <a:schemeClr val="accent1"/>
+          </a:effectRef>
+          <a:fontRef idx="minor">
+            <a:schemeClr val="tx1"/>
+          </a:fontRef>
+        </p:style>
+      </p:cxnSp>
+      <p:cxnSp>
+        <p:nvCxnSpPr>
+          <p:cNvPr id="69" name="Straight Arrow Connector 68"/>
+          <p:cNvCxnSpPr>
+            <a:stCxn id="22" idx="1"/>
+            <a:endCxn id="23" idx="3"/>
+          </p:cNvCxnSpPr>
+          <p:nvPr/>
+        </p:nvCxnSpPr>
+        <p:spPr>
+          <a:xfrm flipH="1">
+            <a:off x="2124789" y="3487919"/>
+            <a:ext cx="516687" cy="0"/>
+          </a:xfrm>
+          <a:prstGeom prst="straightConnector1">
+            <a:avLst/>
+          </a:prstGeom>
+          <a:ln>
+            <a:tailEnd type="triangle"/>
+          </a:ln>
+        </p:spPr>
+        <p:style>
+          <a:lnRef idx="1">
+            <a:schemeClr val="accent1"/>
+          </a:lnRef>
+          <a:fillRef idx="0">
+            <a:schemeClr val="accent1"/>
+          </a:fillRef>
+          <a:effectRef idx="0">
+            <a:schemeClr val="accent1"/>
+          </a:effectRef>
+          <a:fontRef idx="minor">
+            <a:schemeClr val="tx1"/>
+          </a:fontRef>
+        </p:style>
+      </p:cxnSp>
+      <p:cxnSp>
+        <p:nvCxnSpPr>
+          <p:cNvPr id="72" name="Straight Arrow Connector 71"/>
+          <p:cNvCxnSpPr>
+            <a:stCxn id="23" idx="2"/>
+            <a:endCxn id="39" idx="0"/>
+          </p:cNvCxnSpPr>
+          <p:nvPr/>
+        </p:nvCxnSpPr>
+        <p:spPr>
+          <a:xfrm>
+            <a:off x="1267539" y="3765505"/>
+            <a:ext cx="0" cy="1245346"/>
           </a:xfrm>
           <a:prstGeom prst="straightConnector1">
             <a:avLst/>
